--- a/Presentation1.pptx
+++ b/Presentation1.pptx
@@ -6,6 +6,7 @@
   </p:sldMasterIdLst>
   <p:sldIdLst>
     <p:sldId id="256" r:id="rId2"/>
+    <p:sldId id="257" r:id="rId3"/>
   </p:sldIdLst>
   <p:sldSz cx="7559675" cy="10691813"/>
   <p:notesSz cx="6858000" cy="9144000"/>
@@ -104,6 +105,11 @@
       </a:defRPr>
     </a:lvl9pPr>
   </p:defaultTextStyle>
+  <p:extLst>
+    <p:ext uri="{EFAFB233-063F-42B5-8137-9DF3F51BA10A}">
+      <p15:sldGuideLst xmlns:p15="http://schemas.microsoft.com/office/powerpoint/2012/main"/>
+    </p:ext>
+  </p:extLst>
 </p:presentation>
 </file>
 
@@ -238,7 +244,7 @@
           <a:p>
             <a:fld id="{249A4F78-70CE-420C-B5D1-CC3997A4F489}" type="datetimeFigureOut">
               <a:rPr lang="en-AU" smtClean="0"/>
-              <a:t>31/07/2024</a:t>
+              <a:t>19/09/2024</a:t>
             </a:fld>
             <a:endParaRPr lang="en-AU"/>
           </a:p>
@@ -408,7 +414,7 @@
           <a:p>
             <a:fld id="{249A4F78-70CE-420C-B5D1-CC3997A4F489}" type="datetimeFigureOut">
               <a:rPr lang="en-AU" smtClean="0"/>
-              <a:t>31/07/2024</a:t>
+              <a:t>19/09/2024</a:t>
             </a:fld>
             <a:endParaRPr lang="en-AU"/>
           </a:p>
@@ -588,7 +594,7 @@
           <a:p>
             <a:fld id="{249A4F78-70CE-420C-B5D1-CC3997A4F489}" type="datetimeFigureOut">
               <a:rPr lang="en-AU" smtClean="0"/>
-              <a:t>31/07/2024</a:t>
+              <a:t>19/09/2024</a:t>
             </a:fld>
             <a:endParaRPr lang="en-AU"/>
           </a:p>
@@ -758,7 +764,7 @@
           <a:p>
             <a:fld id="{249A4F78-70CE-420C-B5D1-CC3997A4F489}" type="datetimeFigureOut">
               <a:rPr lang="en-AU" smtClean="0"/>
-              <a:t>31/07/2024</a:t>
+              <a:t>19/09/2024</a:t>
             </a:fld>
             <a:endParaRPr lang="en-AU"/>
           </a:p>
@@ -1004,7 +1010,7 @@
           <a:p>
             <a:fld id="{249A4F78-70CE-420C-B5D1-CC3997A4F489}" type="datetimeFigureOut">
               <a:rPr lang="en-AU" smtClean="0"/>
-              <a:t>31/07/2024</a:t>
+              <a:t>19/09/2024</a:t>
             </a:fld>
             <a:endParaRPr lang="en-AU"/>
           </a:p>
@@ -1236,7 +1242,7 @@
           <a:p>
             <a:fld id="{249A4F78-70CE-420C-B5D1-CC3997A4F489}" type="datetimeFigureOut">
               <a:rPr lang="en-AU" smtClean="0"/>
-              <a:t>31/07/2024</a:t>
+              <a:t>19/09/2024</a:t>
             </a:fld>
             <a:endParaRPr lang="en-AU"/>
           </a:p>
@@ -1603,7 +1609,7 @@
           <a:p>
             <a:fld id="{249A4F78-70CE-420C-B5D1-CC3997A4F489}" type="datetimeFigureOut">
               <a:rPr lang="en-AU" smtClean="0"/>
-              <a:t>31/07/2024</a:t>
+              <a:t>19/09/2024</a:t>
             </a:fld>
             <a:endParaRPr lang="en-AU"/>
           </a:p>
@@ -1721,7 +1727,7 @@
           <a:p>
             <a:fld id="{249A4F78-70CE-420C-B5D1-CC3997A4F489}" type="datetimeFigureOut">
               <a:rPr lang="en-AU" smtClean="0"/>
-              <a:t>31/07/2024</a:t>
+              <a:t>19/09/2024</a:t>
             </a:fld>
             <a:endParaRPr lang="en-AU"/>
           </a:p>
@@ -1816,7 +1822,7 @@
           <a:p>
             <a:fld id="{249A4F78-70CE-420C-B5D1-CC3997A4F489}" type="datetimeFigureOut">
               <a:rPr lang="en-AU" smtClean="0"/>
-              <a:t>31/07/2024</a:t>
+              <a:t>19/09/2024</a:t>
             </a:fld>
             <a:endParaRPr lang="en-AU"/>
           </a:p>
@@ -2093,7 +2099,7 @@
           <a:p>
             <a:fld id="{249A4F78-70CE-420C-B5D1-CC3997A4F489}" type="datetimeFigureOut">
               <a:rPr lang="en-AU" smtClean="0"/>
-              <a:t>31/07/2024</a:t>
+              <a:t>19/09/2024</a:t>
             </a:fld>
             <a:endParaRPr lang="en-AU"/>
           </a:p>
@@ -2350,7 +2356,7 @@
           <a:p>
             <a:fld id="{249A4F78-70CE-420C-B5D1-CC3997A4F489}" type="datetimeFigureOut">
               <a:rPr lang="en-AU" smtClean="0"/>
-              <a:t>31/07/2024</a:t>
+              <a:t>19/09/2024</a:t>
             </a:fld>
             <a:endParaRPr lang="en-AU"/>
           </a:p>
@@ -2563,7 +2569,7 @@
           <a:p>
             <a:fld id="{249A4F78-70CE-420C-B5D1-CC3997A4F489}" type="datetimeFigureOut">
               <a:rPr lang="en-AU" smtClean="0"/>
-              <a:t>31/07/2024</a:t>
+              <a:t>19/09/2024</a:t>
             </a:fld>
             <a:endParaRPr lang="en-AU"/>
           </a:p>
@@ -3335,6 +3341,383 @@
 </p:sld>
 </file>
 
+<file path=ppt/slides/slide2.xml><?xml version="1.0" encoding="utf-8"?>
+<p:sld xmlns:a="http://schemas.openxmlformats.org/drawingml/2006/main" xmlns:r="http://schemas.openxmlformats.org/officeDocument/2006/relationships" xmlns:p="http://schemas.openxmlformats.org/presentationml/2006/main">
+  <p:cSld>
+    <p:spTree>
+      <p:nvGrpSpPr>
+        <p:cNvPr id="1" name=""/>
+        <p:cNvGrpSpPr/>
+        <p:nvPr/>
+      </p:nvGrpSpPr>
+      <p:grpSpPr>
+        <a:xfrm>
+          <a:off x="0" y="0"/>
+          <a:ext cx="0" cy="0"/>
+          <a:chOff x="0" y="0"/>
+          <a:chExt cx="0" cy="0"/>
+        </a:xfrm>
+      </p:grpSpPr>
+      <p:pic>
+        <p:nvPicPr>
+          <p:cNvPr id="5" name="Picture 4">
+            <a:extLst>
+              <a:ext uri="{FF2B5EF4-FFF2-40B4-BE49-F238E27FC236}">
+                <a16:creationId xmlns:a16="http://schemas.microsoft.com/office/drawing/2014/main" id="{507E49CB-2D0D-DCF1-5AE4-4025D8A7F743}"/>
+              </a:ext>
+            </a:extLst>
+          </p:cNvPr>
+          <p:cNvPicPr>
+            <a:picLocks noChangeAspect="1"/>
+          </p:cNvPicPr>
+          <p:nvPr/>
+        </p:nvPicPr>
+        <p:blipFill>
+          <a:blip r:embed="rId2"/>
+          <a:srcRect l="1613" t="5793" r="1520" b="4152"/>
+          <a:stretch/>
+        </p:blipFill>
+        <p:spPr>
+          <a:xfrm>
+            <a:off x="121919" y="3413760"/>
+            <a:ext cx="7322821" cy="2019300"/>
+          </a:xfrm>
+          <a:prstGeom prst="rect">
+            <a:avLst/>
+          </a:prstGeom>
+        </p:spPr>
+      </p:pic>
+      <p:sp>
+        <p:nvSpPr>
+          <p:cNvPr id="6" name="TextBox 5">
+            <a:extLst>
+              <a:ext uri="{FF2B5EF4-FFF2-40B4-BE49-F238E27FC236}">
+                <a16:creationId xmlns:a16="http://schemas.microsoft.com/office/drawing/2014/main" id="{03F0C8B8-E33E-2C72-D19D-8619249A4776}"/>
+              </a:ext>
+            </a:extLst>
+          </p:cNvPr>
+          <p:cNvSpPr txBox="1"/>
+          <p:nvPr/>
+        </p:nvSpPr>
+        <p:spPr>
+          <a:xfrm>
+            <a:off x="1562576" y="4405001"/>
+            <a:ext cx="384313" cy="405051"/>
+          </a:xfrm>
+          <a:prstGeom prst="roundRect">
+            <a:avLst/>
+          </a:prstGeom>
+          <a:solidFill>
+            <a:srgbClr val="FF0000"/>
+          </a:solidFill>
+        </p:spPr>
+        <p:style>
+          <a:lnRef idx="0">
+            <a:schemeClr val="accent2"/>
+          </a:lnRef>
+          <a:fillRef idx="3">
+            <a:schemeClr val="accent2"/>
+          </a:fillRef>
+          <a:effectRef idx="3">
+            <a:schemeClr val="accent2"/>
+          </a:effectRef>
+          <a:fontRef idx="minor">
+            <a:schemeClr val="lt1"/>
+          </a:fontRef>
+        </p:style>
+        <p:txBody>
+          <a:bodyPr wrap="square" rtlCol="0">
+            <a:spAutoFit/>
+          </a:bodyPr>
+          <a:lstStyle/>
+          <a:p>
+            <a:pPr algn="ctr"/>
+            <a:r>
+              <a:rPr lang="en-AU" dirty="0"/>
+              <a:t>1</a:t>
+            </a:r>
+          </a:p>
+        </p:txBody>
+      </p:sp>
+      <p:sp>
+        <p:nvSpPr>
+          <p:cNvPr id="7" name="Rectangle: Rounded Corners 6">
+            <a:extLst>
+              <a:ext uri="{FF2B5EF4-FFF2-40B4-BE49-F238E27FC236}">
+                <a16:creationId xmlns:a16="http://schemas.microsoft.com/office/drawing/2014/main" id="{D6DE1778-A3EA-4465-1C57-2530B5A9776F}"/>
+              </a:ext>
+            </a:extLst>
+          </p:cNvPr>
+          <p:cNvSpPr/>
+          <p:nvPr/>
+        </p:nvSpPr>
+        <p:spPr>
+          <a:xfrm>
+            <a:off x="2079783" y="4405002"/>
+            <a:ext cx="892969" cy="405051"/>
+          </a:xfrm>
+          <a:prstGeom prst="roundRect">
+            <a:avLst/>
+          </a:prstGeom>
+          <a:noFill/>
+          <a:ln w="57150" cap="flat" cmpd="sng" algn="ctr">
+            <a:solidFill>
+              <a:srgbClr val="FF0000"/>
+            </a:solidFill>
+            <a:prstDash val="solid"/>
+            <a:round/>
+            <a:headEnd type="none" w="med" len="med"/>
+            <a:tailEnd type="none" w="med" len="med"/>
+          </a:ln>
+        </p:spPr>
+        <p:style>
+          <a:lnRef idx="0">
+            <a:scrgbClr r="0" g="0" b="0"/>
+          </a:lnRef>
+          <a:fillRef idx="0">
+            <a:scrgbClr r="0" g="0" b="0"/>
+          </a:fillRef>
+          <a:effectRef idx="0">
+            <a:scrgbClr r="0" g="0" b="0"/>
+          </a:effectRef>
+          <a:fontRef idx="minor">
+            <a:schemeClr val="accent2"/>
+          </a:fontRef>
+        </p:style>
+        <p:txBody>
+          <a:bodyPr rtlCol="0" anchor="ctr"/>
+          <a:lstStyle/>
+          <a:p>
+            <a:pPr algn="ctr"/>
+            <a:endParaRPr lang="en-AU"/>
+          </a:p>
+        </p:txBody>
+      </p:sp>
+      <p:sp>
+        <p:nvSpPr>
+          <p:cNvPr id="8" name="TextBox 7">
+            <a:extLst>
+              <a:ext uri="{FF2B5EF4-FFF2-40B4-BE49-F238E27FC236}">
+                <a16:creationId xmlns:a16="http://schemas.microsoft.com/office/drawing/2014/main" id="{E1DEDA11-BDF6-1ED1-38DA-EA4A89EFA6AE}"/>
+              </a:ext>
+            </a:extLst>
+          </p:cNvPr>
+          <p:cNvSpPr txBox="1"/>
+          <p:nvPr/>
+        </p:nvSpPr>
+        <p:spPr>
+          <a:xfrm>
+            <a:off x="5548768" y="4405000"/>
+            <a:ext cx="384313" cy="405051"/>
+          </a:xfrm>
+          <a:prstGeom prst="roundRect">
+            <a:avLst/>
+          </a:prstGeom>
+          <a:solidFill>
+            <a:srgbClr val="FF0000"/>
+          </a:solidFill>
+        </p:spPr>
+        <p:style>
+          <a:lnRef idx="0">
+            <a:schemeClr val="accent2"/>
+          </a:lnRef>
+          <a:fillRef idx="3">
+            <a:schemeClr val="accent2"/>
+          </a:fillRef>
+          <a:effectRef idx="3">
+            <a:schemeClr val="accent2"/>
+          </a:effectRef>
+          <a:fontRef idx="minor">
+            <a:schemeClr val="lt1"/>
+          </a:fontRef>
+        </p:style>
+        <p:txBody>
+          <a:bodyPr wrap="square" rtlCol="0">
+            <a:spAutoFit/>
+          </a:bodyPr>
+          <a:lstStyle/>
+          <a:p>
+            <a:pPr algn="ctr"/>
+            <a:r>
+              <a:rPr lang="en-AU" dirty="0"/>
+              <a:t>2</a:t>
+            </a:r>
+          </a:p>
+        </p:txBody>
+      </p:sp>
+      <p:sp>
+        <p:nvSpPr>
+          <p:cNvPr id="9" name="Rectangle: Rounded Corners 8">
+            <a:extLst>
+              <a:ext uri="{FF2B5EF4-FFF2-40B4-BE49-F238E27FC236}">
+                <a16:creationId xmlns:a16="http://schemas.microsoft.com/office/drawing/2014/main" id="{89AE5A5C-2D34-DA2D-7A31-D5E9051A4F68}"/>
+              </a:ext>
+            </a:extLst>
+          </p:cNvPr>
+          <p:cNvSpPr/>
+          <p:nvPr/>
+        </p:nvSpPr>
+        <p:spPr>
+          <a:xfrm>
+            <a:off x="6040030" y="4405000"/>
+            <a:ext cx="892969" cy="405051"/>
+          </a:xfrm>
+          <a:prstGeom prst="roundRect">
+            <a:avLst/>
+          </a:prstGeom>
+          <a:noFill/>
+          <a:ln w="57150" cap="flat" cmpd="sng" algn="ctr">
+            <a:solidFill>
+              <a:srgbClr val="FF0000"/>
+            </a:solidFill>
+            <a:prstDash val="solid"/>
+            <a:round/>
+            <a:headEnd type="none" w="med" len="med"/>
+            <a:tailEnd type="none" w="med" len="med"/>
+          </a:ln>
+        </p:spPr>
+        <p:style>
+          <a:lnRef idx="0">
+            <a:scrgbClr r="0" g="0" b="0"/>
+          </a:lnRef>
+          <a:fillRef idx="0">
+            <a:scrgbClr r="0" g="0" b="0"/>
+          </a:fillRef>
+          <a:effectRef idx="0">
+            <a:scrgbClr r="0" g="0" b="0"/>
+          </a:effectRef>
+          <a:fontRef idx="minor">
+            <a:schemeClr val="accent2"/>
+          </a:fontRef>
+        </p:style>
+        <p:txBody>
+          <a:bodyPr rtlCol="0" anchor="ctr"/>
+          <a:lstStyle/>
+          <a:p>
+            <a:pPr algn="ctr"/>
+            <a:endParaRPr lang="en-AU"/>
+          </a:p>
+        </p:txBody>
+      </p:sp>
+      <p:sp>
+        <p:nvSpPr>
+          <p:cNvPr id="10" name="TextBox 9">
+            <a:extLst>
+              <a:ext uri="{FF2B5EF4-FFF2-40B4-BE49-F238E27FC236}">
+                <a16:creationId xmlns:a16="http://schemas.microsoft.com/office/drawing/2014/main" id="{4A20464F-F68C-479E-3341-86CC82524160}"/>
+              </a:ext>
+            </a:extLst>
+          </p:cNvPr>
+          <p:cNvSpPr txBox="1"/>
+          <p:nvPr/>
+        </p:nvSpPr>
+        <p:spPr>
+          <a:xfrm>
+            <a:off x="5548768" y="3894765"/>
+            <a:ext cx="384313" cy="405051"/>
+          </a:xfrm>
+          <a:prstGeom prst="roundRect">
+            <a:avLst/>
+          </a:prstGeom>
+          <a:solidFill>
+            <a:srgbClr val="FF0000"/>
+          </a:solidFill>
+        </p:spPr>
+        <p:style>
+          <a:lnRef idx="0">
+            <a:schemeClr val="accent2"/>
+          </a:lnRef>
+          <a:fillRef idx="3">
+            <a:schemeClr val="accent2"/>
+          </a:fillRef>
+          <a:effectRef idx="3">
+            <a:schemeClr val="accent2"/>
+          </a:effectRef>
+          <a:fontRef idx="minor">
+            <a:schemeClr val="lt1"/>
+          </a:fontRef>
+        </p:style>
+        <p:txBody>
+          <a:bodyPr wrap="square" rtlCol="0">
+            <a:spAutoFit/>
+          </a:bodyPr>
+          <a:lstStyle/>
+          <a:p>
+            <a:pPr algn="ctr"/>
+            <a:r>
+              <a:rPr lang="en-AU" dirty="0"/>
+              <a:t>3</a:t>
+            </a:r>
+          </a:p>
+        </p:txBody>
+      </p:sp>
+      <p:sp>
+        <p:nvSpPr>
+          <p:cNvPr id="11" name="Rectangle: Rounded Corners 10">
+            <a:extLst>
+              <a:ext uri="{FF2B5EF4-FFF2-40B4-BE49-F238E27FC236}">
+                <a16:creationId xmlns:a16="http://schemas.microsoft.com/office/drawing/2014/main" id="{48FAB46B-D93B-6F9F-7651-D0AF89E4F1E5}"/>
+              </a:ext>
+            </a:extLst>
+          </p:cNvPr>
+          <p:cNvSpPr/>
+          <p:nvPr/>
+        </p:nvSpPr>
+        <p:spPr>
+          <a:xfrm>
+            <a:off x="6040029" y="3907349"/>
+            <a:ext cx="892969" cy="405051"/>
+          </a:xfrm>
+          <a:prstGeom prst="roundRect">
+            <a:avLst/>
+          </a:prstGeom>
+          <a:noFill/>
+          <a:ln w="57150" cap="flat" cmpd="sng" algn="ctr">
+            <a:solidFill>
+              <a:srgbClr val="FF0000"/>
+            </a:solidFill>
+            <a:prstDash val="solid"/>
+            <a:round/>
+            <a:headEnd type="none" w="med" len="med"/>
+            <a:tailEnd type="none" w="med" len="med"/>
+          </a:ln>
+        </p:spPr>
+        <p:style>
+          <a:lnRef idx="0">
+            <a:scrgbClr r="0" g="0" b="0"/>
+          </a:lnRef>
+          <a:fillRef idx="0">
+            <a:scrgbClr r="0" g="0" b="0"/>
+          </a:fillRef>
+          <a:effectRef idx="0">
+            <a:scrgbClr r="0" g="0" b="0"/>
+          </a:effectRef>
+          <a:fontRef idx="minor">
+            <a:schemeClr val="accent2"/>
+          </a:fontRef>
+        </p:style>
+        <p:txBody>
+          <a:bodyPr rtlCol="0" anchor="ctr"/>
+          <a:lstStyle/>
+          <a:p>
+            <a:pPr algn="ctr"/>
+            <a:endParaRPr lang="en-AU"/>
+          </a:p>
+        </p:txBody>
+      </p:sp>
+    </p:spTree>
+    <p:extLst>
+      <p:ext uri="{BB962C8B-B14F-4D97-AF65-F5344CB8AC3E}">
+        <p14:creationId xmlns:p14="http://schemas.microsoft.com/office/powerpoint/2010/main" val="1897358584"/>
+      </p:ext>
+    </p:extLst>
+  </p:cSld>
+  <p:clrMapOvr>
+    <a:masterClrMapping/>
+  </p:clrMapOvr>
+</p:sld>
+</file>
+
 <file path=ppt/theme/theme1.xml><?xml version="1.0" encoding="utf-8"?>
 <a:theme xmlns:a="http://schemas.openxmlformats.org/drawingml/2006/main" name="Office Theme">
   <a:themeElements>
